--- a/雲上太陽.pptx
+++ b/雲上太陽.pptx
@@ -5,8 +5,11 @@
     <p:sldMasterId id="2147483672" r:id="rId1"/>
   </p:sldMasterIdLst>
   <p:sldIdLst>
-    <p:sldId id="258" r:id="rId2"/>
-    <p:sldId id="259" r:id="rId3"/>
+    <p:sldId id="260" r:id="rId2"/>
+    <p:sldId id="261" r:id="rId3"/>
+    <p:sldId id="262" r:id="rId4"/>
+    <p:sldId id="263" r:id="rId5"/>
+    <p:sldId id="264" r:id="rId6"/>
   </p:sldIdLst>
   <p:sldSz cx="12192000" cy="6858000"/>
   <p:notesSz cx="6858000" cy="9144000"/>
@@ -306,7 +309,7 @@
             <a:fld id="{8E6D1104-18C5-49B1-AF15-C303001C0ACC}" type="datetimeFigureOut">
               <a:rPr lang="zh-TW" altLang="en-US" smtClean="0"/>
               <a:pPr/>
-              <a:t>2020/6/20</a:t>
+              <a:t>2023/9/9</a:t>
             </a:fld>
             <a:endParaRPr lang="zh-TW" altLang="en-US"/>
           </a:p>
@@ -478,7 +481,7 @@
             <a:fld id="{8E6D1104-18C5-49B1-AF15-C303001C0ACC}" type="datetimeFigureOut">
               <a:rPr lang="zh-TW" altLang="en-US" smtClean="0"/>
               <a:pPr/>
-              <a:t>2020/6/20</a:t>
+              <a:t>2023/9/9</a:t>
             </a:fld>
             <a:endParaRPr lang="zh-TW" altLang="en-US"/>
           </a:p>
@@ -660,7 +663,7 @@
             <a:fld id="{8E6D1104-18C5-49B1-AF15-C303001C0ACC}" type="datetimeFigureOut">
               <a:rPr lang="zh-TW" altLang="en-US" smtClean="0"/>
               <a:pPr/>
-              <a:t>2020/6/20</a:t>
+              <a:t>2023/9/9</a:t>
             </a:fld>
             <a:endParaRPr lang="zh-TW" altLang="en-US"/>
           </a:p>
@@ -832,7 +835,7 @@
             <a:fld id="{8E6D1104-18C5-49B1-AF15-C303001C0ACC}" type="datetimeFigureOut">
               <a:rPr lang="zh-TW" altLang="en-US" smtClean="0"/>
               <a:pPr/>
-              <a:t>2020/6/20</a:t>
+              <a:t>2023/9/9</a:t>
             </a:fld>
             <a:endParaRPr lang="zh-TW" altLang="en-US"/>
           </a:p>
@@ -1080,7 +1083,7 @@
             <a:fld id="{8E6D1104-18C5-49B1-AF15-C303001C0ACC}" type="datetimeFigureOut">
               <a:rPr lang="zh-TW" altLang="en-US" smtClean="0"/>
               <a:pPr/>
-              <a:t>2020/6/20</a:t>
+              <a:t>2023/9/9</a:t>
             </a:fld>
             <a:endParaRPr lang="zh-TW" altLang="en-US"/>
           </a:p>
@@ -1370,7 +1373,7 @@
             <a:fld id="{8E6D1104-18C5-49B1-AF15-C303001C0ACC}" type="datetimeFigureOut">
               <a:rPr lang="zh-TW" altLang="en-US" smtClean="0"/>
               <a:pPr/>
-              <a:t>2020/6/20</a:t>
+              <a:t>2023/9/9</a:t>
             </a:fld>
             <a:endParaRPr lang="zh-TW" altLang="en-US"/>
           </a:p>
@@ -1794,7 +1797,7 @@
             <a:fld id="{8E6D1104-18C5-49B1-AF15-C303001C0ACC}" type="datetimeFigureOut">
               <a:rPr lang="zh-TW" altLang="en-US" smtClean="0"/>
               <a:pPr/>
-              <a:t>2020/6/20</a:t>
+              <a:t>2023/9/9</a:t>
             </a:fld>
             <a:endParaRPr lang="zh-TW" altLang="en-US"/>
           </a:p>
@@ -1914,7 +1917,7 @@
             <a:fld id="{8E6D1104-18C5-49B1-AF15-C303001C0ACC}" type="datetimeFigureOut">
               <a:rPr lang="zh-TW" altLang="en-US" smtClean="0"/>
               <a:pPr/>
-              <a:t>2020/6/20</a:t>
+              <a:t>2023/9/9</a:t>
             </a:fld>
             <a:endParaRPr lang="zh-TW" altLang="en-US"/>
           </a:p>
@@ -2011,7 +2014,7 @@
             <a:fld id="{8E6D1104-18C5-49B1-AF15-C303001C0ACC}" type="datetimeFigureOut">
               <a:rPr lang="zh-TW" altLang="en-US" smtClean="0"/>
               <a:pPr/>
-              <a:t>2020/6/20</a:t>
+              <a:t>2023/9/9</a:t>
             </a:fld>
             <a:endParaRPr lang="zh-TW" altLang="en-US"/>
           </a:p>
@@ -2290,7 +2293,7 @@
             <a:fld id="{8E6D1104-18C5-49B1-AF15-C303001C0ACC}" type="datetimeFigureOut">
               <a:rPr lang="zh-TW" altLang="en-US" smtClean="0"/>
               <a:pPr/>
-              <a:t>2020/6/20</a:t>
+              <a:t>2023/9/9</a:t>
             </a:fld>
             <a:endParaRPr lang="zh-TW" altLang="en-US"/>
           </a:p>
@@ -2549,7 +2552,7 @@
             <a:fld id="{8E6D1104-18C5-49B1-AF15-C303001C0ACC}" type="datetimeFigureOut">
               <a:rPr lang="zh-TW" altLang="en-US" smtClean="0"/>
               <a:pPr/>
-              <a:t>2020/6/20</a:t>
+              <a:t>2023/9/9</a:t>
             </a:fld>
             <a:endParaRPr lang="zh-TW" altLang="en-US"/>
           </a:p>
@@ -2769,7 +2772,7 @@
             <a:fld id="{8E6D1104-18C5-49B1-AF15-C303001C0ACC}" type="datetimeFigureOut">
               <a:rPr lang="zh-TW" altLang="en-US" smtClean="0"/>
               <a:pPr/>
-              <a:t>2020/6/20</a:t>
+              <a:t>2023/9/9</a:t>
             </a:fld>
             <a:endParaRPr lang="zh-TW" altLang="en-US"/>
           </a:p>
@@ -3147,7 +3150,7 @@
       </p:grpSpPr>
       <p:sp>
         <p:nvSpPr>
-          <p:cNvPr id="2" name="Title 1"/>
+          <p:cNvPr id="4" name="標題 3"/>
           <p:cNvSpPr>
             <a:spLocks noGrp="1"/>
           </p:cNvSpPr>
@@ -3155,15 +3158,23 @@
             <p:ph type="title"/>
           </p:nvPr>
         </p:nvSpPr>
-        <p:spPr/>
+        <p:spPr>
+          <a:xfrm>
+            <a:off x="0" y="2660915"/>
+            <a:ext cx="12192000" cy="1143000"/>
+          </a:xfrm>
+        </p:spPr>
         <p:txBody>
           <a:bodyPr>
-            <a:normAutofit/>
+            <a:noAutofit/>
           </a:bodyPr>
           <a:lstStyle/>
           <a:p>
             <a:r>
-              <a:rPr kumimoji="1" lang="zh-TW" altLang="en-US" sz="4800" b="1" dirty="0">
+              <a:rPr lang="zh-TW" altLang="en-US" sz="7200" b="1" i="1" dirty="0">
+                <a:solidFill>
+                  <a:srgbClr val="660033"/>
+                </a:solidFill>
                 <a:effectLst>
                   <a:outerShdw blurRad="38100" dist="38100" dir="2700000" algn="tl">
                     <a:srgbClr val="000000">
@@ -3171,14 +3182,16 @@
                     </a:srgbClr>
                   </a:outerShdw>
                 </a:effectLst>
-                <a:latin typeface="Microsoft JhengHei" panose="020B0604030504040204" pitchFamily="34" charset="-120"/>
-                <a:ea typeface="Microsoft JhengHei" panose="020B0604030504040204" pitchFamily="34" charset="-120"/>
-                <a:cs typeface="Times New Roman" pitchFamily="18" charset="0"/>
+                <a:latin typeface="微軟正黑體" pitchFamily="34" charset="-120"/>
+                <a:ea typeface="微軟正黑體" pitchFamily="34" charset="-120"/>
               </a:rPr>
-              <a:t>雲上太</a:t>
-            </a:r>
-            <a:r>
-              <a:rPr kumimoji="1" lang="zh-TW" altLang="en-US" sz="4800" b="1" dirty="0" smtClean="0">
+              <a:t>雲</a:t>
+            </a:r>
+            <a:r>
+              <a:rPr lang="zh-TW" altLang="en-US" sz="7200" b="1" i="1" dirty="0">
+                <a:solidFill>
+                  <a:srgbClr val="660033"/>
+                </a:solidFill>
                 <a:effectLst>
                   <a:outerShdw blurRad="38100" dist="38100" dir="2700000" algn="tl">
                     <a:srgbClr val="000000">
@@ -3186,297 +3199,18 @@
                     </a:srgbClr>
                   </a:outerShdw>
                 </a:effectLst>
-                <a:latin typeface="Microsoft JhengHei" panose="020B0604030504040204" pitchFamily="34" charset="-120"/>
-                <a:ea typeface="Microsoft JhengHei" panose="020B0604030504040204" pitchFamily="34" charset="-120"/>
-                <a:cs typeface="Times New Roman" pitchFamily="18" charset="0"/>
+                <a:latin typeface="微軟正黑體" pitchFamily="34" charset="-120"/>
+                <a:ea typeface="微軟正黑體" pitchFamily="34" charset="-120"/>
               </a:rPr>
-              <a:t>陽</a:t>
-            </a:r>
-            <a:endParaRPr lang="vi-VN" sz="4800" dirty="0">
-              <a:ea typeface="Microsoft JhengHei" panose="020B0604030504040204" pitchFamily="34" charset="-120"/>
-            </a:endParaRPr>
-          </a:p>
-        </p:txBody>
-      </p:sp>
-      <p:sp>
-        <p:nvSpPr>
-          <p:cNvPr id="3" name="Content Placeholder 2"/>
-          <p:cNvSpPr>
-            <a:spLocks noGrp="1"/>
-          </p:cNvSpPr>
-          <p:nvPr>
-            <p:ph idx="1"/>
-          </p:nvPr>
-        </p:nvSpPr>
-        <p:spPr/>
-        <p:txBody>
-          <a:bodyPr>
-            <a:normAutofit/>
-          </a:bodyPr>
-          <a:lstStyle/>
-          <a:p>
-            <a:pPr marL="342000" indent="-342000" algn="ctr" eaLnBrk="0" fontAlgn="base" hangingPunct="0">
-              <a:spcBef>
-                <a:spcPts val="1152"/>
-              </a:spcBef>
-              <a:spcAft>
-                <a:spcPct val="0"/>
-              </a:spcAft>
-              <a:buNone/>
-            </a:pPr>
-            <a:r>
-              <a:rPr kumimoji="1" lang="zh-TW" altLang="en-US" sz="5400" b="1" dirty="0" smtClean="0">
-                <a:effectLst>
-                  <a:outerShdw blurRad="38100" dist="38100" dir="2700000" algn="tl">
-                    <a:srgbClr val="000000">
-                      <a:alpha val="43137"/>
-                    </a:srgbClr>
-                  </a:outerShdw>
-                </a:effectLst>
-                <a:latin typeface="Microsoft JhengHei" panose="020B0604030504040204" pitchFamily="34" charset="-120"/>
-                <a:ea typeface="Microsoft JhengHei" panose="020B0604030504040204" pitchFamily="34" charset="-120"/>
-                <a:cs typeface="Times New Roman" pitchFamily="18" charset="0"/>
-              </a:rPr>
-              <a:t>無</a:t>
-            </a:r>
-            <a:r>
-              <a:rPr kumimoji="1" lang="zh-TW" altLang="en-US" sz="5400" b="1" dirty="0">
-                <a:effectLst>
-                  <a:outerShdw blurRad="38100" dist="38100" dir="2700000" algn="tl">
-                    <a:srgbClr val="000000">
-                      <a:alpha val="43137"/>
-                    </a:srgbClr>
-                  </a:outerShdw>
-                </a:effectLst>
-                <a:latin typeface="Microsoft JhengHei" panose="020B0604030504040204" pitchFamily="34" charset="-120"/>
-                <a:ea typeface="Microsoft JhengHei" panose="020B0604030504040204" pitchFamily="34" charset="-120"/>
-                <a:cs typeface="Times New Roman" pitchFamily="18" charset="0"/>
-              </a:rPr>
-              <a:t>論是住在 美麗的高</a:t>
-            </a:r>
-            <a:r>
-              <a:rPr kumimoji="1" lang="zh-TW" altLang="en-US" sz="5400" b="1" dirty="0" smtClean="0">
-                <a:effectLst>
-                  <a:outerShdw blurRad="38100" dist="38100" dir="2700000" algn="tl">
-                    <a:srgbClr val="000000">
-                      <a:alpha val="43137"/>
-                    </a:srgbClr>
-                  </a:outerShdw>
-                </a:effectLst>
-                <a:latin typeface="Microsoft JhengHei" panose="020B0604030504040204" pitchFamily="34" charset="-120"/>
-                <a:ea typeface="Microsoft JhengHei" panose="020B0604030504040204" pitchFamily="34" charset="-120"/>
-                <a:cs typeface="Times New Roman" pitchFamily="18" charset="0"/>
-              </a:rPr>
-              <a:t>山</a:t>
-            </a:r>
-            <a:endParaRPr kumimoji="1" lang="en-US" altLang="zh-TW" sz="5400" b="1" dirty="0">
-              <a:effectLst>
-                <a:outerShdw blurRad="38100" dist="38100" dir="2700000" algn="tl">
-                  <a:srgbClr val="000000">
-                    <a:alpha val="43137"/>
-                  </a:srgbClr>
-                </a:outerShdw>
-              </a:effectLst>
-              <a:latin typeface="Microsoft JhengHei" panose="020B0604030504040204" pitchFamily="34" charset="-120"/>
-              <a:ea typeface="Microsoft JhengHei" panose="020B0604030504040204" pitchFamily="34" charset="-120"/>
-              <a:cs typeface="Times New Roman" pitchFamily="18" charset="0"/>
-            </a:endParaRPr>
-          </a:p>
-          <a:p>
-            <a:pPr marL="342000" indent="-342000" algn="ctr" eaLnBrk="0" fontAlgn="base" hangingPunct="0">
-              <a:spcBef>
-                <a:spcPts val="1152"/>
-              </a:spcBef>
-              <a:spcAft>
-                <a:spcPct val="0"/>
-              </a:spcAft>
-              <a:buNone/>
-            </a:pPr>
-            <a:r>
-              <a:rPr kumimoji="1" lang="zh-TW" altLang="en-US" sz="5400" b="1" dirty="0" smtClean="0">
-                <a:effectLst>
-                  <a:outerShdw blurRad="38100" dist="38100" dir="2700000" algn="tl">
-                    <a:srgbClr val="000000">
-                      <a:alpha val="43137"/>
-                    </a:srgbClr>
-                  </a:outerShdw>
-                </a:effectLst>
-                <a:latin typeface="Microsoft JhengHei" panose="020B0604030504040204" pitchFamily="34" charset="-120"/>
-                <a:ea typeface="Microsoft JhengHei" panose="020B0604030504040204" pitchFamily="34" charset="-120"/>
-                <a:cs typeface="Times New Roman" pitchFamily="18" charset="0"/>
-              </a:rPr>
-              <a:t>或</a:t>
-            </a:r>
-            <a:r>
-              <a:rPr kumimoji="1" lang="zh-TW" altLang="en-US" sz="5400" b="1" dirty="0">
-                <a:effectLst>
-                  <a:outerShdw blurRad="38100" dist="38100" dir="2700000" algn="tl">
-                    <a:srgbClr val="000000">
-                      <a:alpha val="43137"/>
-                    </a:srgbClr>
-                  </a:outerShdw>
-                </a:effectLst>
-                <a:latin typeface="Microsoft JhengHei" panose="020B0604030504040204" pitchFamily="34" charset="-120"/>
-                <a:ea typeface="Microsoft JhengHei" panose="020B0604030504040204" pitchFamily="34" charset="-120"/>
-                <a:cs typeface="Times New Roman" pitchFamily="18" charset="0"/>
-              </a:rPr>
-              <a:t>是躺臥在 陰暗的幽</a:t>
-            </a:r>
-            <a:r>
-              <a:rPr kumimoji="1" lang="zh-TW" altLang="en-US" sz="5400" b="1" dirty="0" smtClean="0">
-                <a:effectLst>
-                  <a:outerShdw blurRad="38100" dist="38100" dir="2700000" algn="tl">
-                    <a:srgbClr val="000000">
-                      <a:alpha val="43137"/>
-                    </a:srgbClr>
-                  </a:outerShdw>
-                </a:effectLst>
-                <a:latin typeface="Microsoft JhengHei" panose="020B0604030504040204" pitchFamily="34" charset="-120"/>
-                <a:ea typeface="Microsoft JhengHei" panose="020B0604030504040204" pitchFamily="34" charset="-120"/>
-                <a:cs typeface="Times New Roman" pitchFamily="18" charset="0"/>
-              </a:rPr>
-              <a:t>谷</a:t>
-            </a:r>
-            <a:endParaRPr kumimoji="1" lang="en-US" altLang="zh-TW" sz="5400" b="1" dirty="0" smtClean="0">
-              <a:effectLst>
-                <a:outerShdw blurRad="38100" dist="38100" dir="2700000" algn="tl">
-                  <a:srgbClr val="000000">
-                    <a:alpha val="43137"/>
-                  </a:srgbClr>
-                </a:outerShdw>
-              </a:effectLst>
-              <a:latin typeface="Microsoft JhengHei" panose="020B0604030504040204" pitchFamily="34" charset="-120"/>
-              <a:ea typeface="Microsoft JhengHei" panose="020B0604030504040204" pitchFamily="34" charset="-120"/>
-              <a:cs typeface="Times New Roman" pitchFamily="18" charset="0"/>
-            </a:endParaRPr>
-          </a:p>
-          <a:p>
-            <a:pPr marL="342000" indent="-342000" algn="ctr" eaLnBrk="0" fontAlgn="base" hangingPunct="0">
-              <a:spcBef>
-                <a:spcPts val="1152"/>
-              </a:spcBef>
-              <a:spcAft>
-                <a:spcPct val="0"/>
-              </a:spcAft>
-              <a:buNone/>
-            </a:pPr>
-            <a:r>
-              <a:rPr kumimoji="1" lang="zh-TW" altLang="en-US" sz="5400" b="1" dirty="0" smtClean="0">
-                <a:effectLst>
-                  <a:outerShdw blurRad="38100" dist="38100" dir="2700000" algn="tl">
-                    <a:srgbClr val="000000">
-                      <a:alpha val="43137"/>
-                    </a:srgbClr>
-                  </a:outerShdw>
-                </a:effectLst>
-                <a:latin typeface="Microsoft JhengHei" panose="020B0604030504040204" pitchFamily="34" charset="-120"/>
-                <a:ea typeface="Microsoft JhengHei" panose="020B0604030504040204" pitchFamily="34" charset="-120"/>
-                <a:cs typeface="Times New Roman" pitchFamily="18" charset="0"/>
-              </a:rPr>
-              <a:t>當</a:t>
-            </a:r>
-            <a:r>
-              <a:rPr kumimoji="1" lang="zh-TW" altLang="en-US" sz="5400" b="1" dirty="0">
-                <a:effectLst>
-                  <a:outerShdw blurRad="38100" dist="38100" dir="2700000" algn="tl">
-                    <a:srgbClr val="000000">
-                      <a:alpha val="43137"/>
-                    </a:srgbClr>
-                  </a:outerShdw>
-                </a:effectLst>
-                <a:latin typeface="Microsoft JhengHei" panose="020B0604030504040204" pitchFamily="34" charset="-120"/>
-                <a:ea typeface="Microsoft JhengHei" panose="020B0604030504040204" pitchFamily="34" charset="-120"/>
-                <a:cs typeface="Times New Roman" pitchFamily="18" charset="0"/>
-              </a:rPr>
-              <a:t>你抬起頭 你將會發</a:t>
-            </a:r>
-            <a:r>
-              <a:rPr kumimoji="1" lang="zh-TW" altLang="en-US" sz="5400" b="1" dirty="0" smtClean="0">
-                <a:effectLst>
-                  <a:outerShdw blurRad="38100" dist="38100" dir="2700000" algn="tl">
-                    <a:srgbClr val="000000">
-                      <a:alpha val="43137"/>
-                    </a:srgbClr>
-                  </a:outerShdw>
-                </a:effectLst>
-                <a:latin typeface="Microsoft JhengHei" panose="020B0604030504040204" pitchFamily="34" charset="-120"/>
-                <a:ea typeface="Microsoft JhengHei" panose="020B0604030504040204" pitchFamily="34" charset="-120"/>
-                <a:cs typeface="Times New Roman" pitchFamily="18" charset="0"/>
-              </a:rPr>
-              <a:t>現</a:t>
-            </a:r>
-            <a:endParaRPr kumimoji="1" lang="en-US" altLang="zh-TW" sz="5400" b="1" dirty="0">
-              <a:effectLst>
-                <a:outerShdw blurRad="38100" dist="38100" dir="2700000" algn="tl">
-                  <a:srgbClr val="000000">
-                    <a:alpha val="43137"/>
-                  </a:srgbClr>
-                </a:outerShdw>
-              </a:effectLst>
-              <a:latin typeface="Microsoft JhengHei" panose="020B0604030504040204" pitchFamily="34" charset="-120"/>
-              <a:ea typeface="Microsoft JhengHei" panose="020B0604030504040204" pitchFamily="34" charset="-120"/>
-              <a:cs typeface="Times New Roman" pitchFamily="18" charset="0"/>
-            </a:endParaRPr>
-          </a:p>
-          <a:p>
-            <a:pPr marL="342000" indent="-342000" algn="ctr" eaLnBrk="0" fontAlgn="base" hangingPunct="0">
-              <a:spcBef>
-                <a:spcPts val="1152"/>
-              </a:spcBef>
-              <a:spcAft>
-                <a:spcPct val="0"/>
-              </a:spcAft>
-              <a:buNone/>
-            </a:pPr>
-            <a:r>
-              <a:rPr kumimoji="1" lang="zh-TW" altLang="en-US" sz="5400" b="1" dirty="0" smtClean="0">
-                <a:effectLst>
-                  <a:outerShdw blurRad="38100" dist="38100" dir="2700000" algn="tl">
-                    <a:srgbClr val="000000">
-                      <a:alpha val="43137"/>
-                    </a:srgbClr>
-                  </a:outerShdw>
-                </a:effectLst>
-                <a:latin typeface="Microsoft JhengHei" panose="020B0604030504040204" pitchFamily="34" charset="-120"/>
-                <a:ea typeface="Microsoft JhengHei" panose="020B0604030504040204" pitchFamily="34" charset="-120"/>
-                <a:cs typeface="Times New Roman" pitchFamily="18" charset="0"/>
-              </a:rPr>
-              <a:t>主已為你我而預</a:t>
-            </a:r>
-            <a:r>
-              <a:rPr kumimoji="1" lang="zh-TW" altLang="en-US" sz="5400" b="1" dirty="0" smtClean="0">
-                <a:effectLst>
-                  <a:outerShdw blurRad="38100" dist="38100" dir="2700000" algn="tl">
-                    <a:srgbClr val="000000">
-                      <a:alpha val="43137"/>
-                    </a:srgbClr>
-                  </a:outerShdw>
-                </a:effectLst>
-                <a:latin typeface="Microsoft JhengHei" panose="020B0604030504040204" pitchFamily="34" charset="-120"/>
-                <a:ea typeface="Microsoft JhengHei" panose="020B0604030504040204" pitchFamily="34" charset="-120"/>
-                <a:cs typeface="Times New Roman" pitchFamily="18" charset="0"/>
-              </a:rPr>
-              <a:t>備</a:t>
-            </a:r>
-            <a:endParaRPr kumimoji="1" lang="zh-TW" altLang="en-US" sz="5400" b="1" dirty="0" smtClean="0">
-              <a:effectLst>
-                <a:outerShdw blurRad="38100" dist="38100" dir="2700000" algn="tl">
-                  <a:srgbClr val="000000">
-                    <a:alpha val="43137"/>
-                  </a:srgbClr>
-                </a:outerShdw>
-              </a:effectLst>
-              <a:latin typeface="Microsoft JhengHei" panose="020B0604030504040204" pitchFamily="34" charset="-120"/>
-              <a:ea typeface="Microsoft JhengHei" panose="020B0604030504040204" pitchFamily="34" charset="-120"/>
-              <a:cs typeface="新細明體" pitchFamily="18" charset="-120"/>
-            </a:endParaRPr>
+              <a:t>上太陽</a:t>
+            </a:r>
           </a:p>
         </p:txBody>
       </p:sp>
     </p:spTree>
     <p:extLst>
       <p:ext uri="{BB962C8B-B14F-4D97-AF65-F5344CB8AC3E}">
-        <p14:creationId xmlns:p14="http://schemas.microsoft.com/office/powerpoint/2010/main" val="1748695142"/>
+        <p14:creationId xmlns:p14="http://schemas.microsoft.com/office/powerpoint/2010/main" val="1431212110"/>
       </p:ext>
     </p:extLst>
   </p:cSld>
@@ -3505,77 +3239,29 @@
       </p:grpSpPr>
       <p:sp>
         <p:nvSpPr>
-          <p:cNvPr id="2" name="Title 1"/>
-          <p:cNvSpPr>
-            <a:spLocks noGrp="1"/>
-          </p:cNvSpPr>
-          <p:nvPr>
-            <p:ph type="title"/>
-          </p:nvPr>
-        </p:nvSpPr>
-        <p:spPr/>
-        <p:txBody>
-          <a:bodyPr>
+          <p:cNvPr id="5" name="內容版面配置區 4"/>
+          <p:cNvSpPr>
+            <a:spLocks noGrp="1"/>
+          </p:cNvSpPr>
+          <p:nvPr>
+            <p:ph idx="1"/>
+          </p:nvPr>
+        </p:nvSpPr>
+        <p:spPr>
+          <a:xfrm>
+            <a:off x="0" y="2084851"/>
+            <a:ext cx="12192000" cy="2404863"/>
+          </a:xfrm>
+        </p:spPr>
+        <p:txBody>
+          <a:bodyPr anchor="ctr">
             <a:normAutofit/>
           </a:bodyPr>
           <a:lstStyle/>
           <a:p>
-            <a:r>
-              <a:rPr kumimoji="1" lang="zh-TW" altLang="en-US" sz="4800" b="1" dirty="0">
-                <a:effectLst>
-                  <a:outerShdw blurRad="38100" dist="38100" dir="2700000" algn="tl">
-                    <a:srgbClr val="000000">
-                      <a:alpha val="43137"/>
-                    </a:srgbClr>
-                  </a:outerShdw>
-                </a:effectLst>
-                <a:latin typeface="Microsoft JhengHei" panose="020B0604030504040204" pitchFamily="34" charset="-120"/>
-                <a:ea typeface="Microsoft JhengHei" panose="020B0604030504040204" pitchFamily="34" charset="-120"/>
-                <a:cs typeface="Times New Roman" pitchFamily="18" charset="0"/>
-              </a:rPr>
-              <a:t>雲上太</a:t>
-            </a:r>
-            <a:r>
-              <a:rPr kumimoji="1" lang="zh-TW" altLang="en-US" sz="4800" b="1" dirty="0" smtClean="0">
-                <a:effectLst>
-                  <a:outerShdw blurRad="38100" dist="38100" dir="2700000" algn="tl">
-                    <a:srgbClr val="000000">
-                      <a:alpha val="43137"/>
-                    </a:srgbClr>
-                  </a:outerShdw>
-                </a:effectLst>
-                <a:latin typeface="Microsoft JhengHei" panose="020B0604030504040204" pitchFamily="34" charset="-120"/>
-                <a:ea typeface="Microsoft JhengHei" panose="020B0604030504040204" pitchFamily="34" charset="-120"/>
-                <a:cs typeface="Times New Roman" pitchFamily="18" charset="0"/>
-              </a:rPr>
-              <a:t>陽</a:t>
-            </a:r>
-            <a:endParaRPr lang="vi-VN" sz="4800" dirty="0">
-              <a:ea typeface="Microsoft JhengHei" panose="020B0604030504040204" pitchFamily="34" charset="-120"/>
-            </a:endParaRPr>
-          </a:p>
-        </p:txBody>
-      </p:sp>
-      <p:sp>
-        <p:nvSpPr>
-          <p:cNvPr id="3" name="Content Placeholder 2"/>
-          <p:cNvSpPr>
-            <a:spLocks noGrp="1"/>
-          </p:cNvSpPr>
-          <p:nvPr>
-            <p:ph idx="1"/>
-          </p:nvPr>
-        </p:nvSpPr>
-        <p:spPr/>
-        <p:txBody>
-          <a:bodyPr>
-            <a:normAutofit/>
-          </a:bodyPr>
-          <a:lstStyle/>
-          <a:p>
-            <a:pPr marL="342000" indent="-342000" algn="ctr" eaLnBrk="0" fontAlgn="base" hangingPunct="0">
+            <a:pPr marL="455989" indent="-455989" algn="ctr" eaLnBrk="0" fontAlgn="base" hangingPunct="0">
               <a:spcBef>
-                <a:spcPts val="1152"/>
+                <a:spcPts val="1536"/>
               </a:spcBef>
               <a:spcAft>
                 <a:spcPct val="0"/>
@@ -3583,25 +3269,57 @@
               <a:buNone/>
             </a:pPr>
             <a:r>
-              <a:rPr kumimoji="1" lang="zh-TW" altLang="en-US" sz="5400" b="1" dirty="0">
-                <a:effectLst>
-                  <a:outerShdw blurRad="38100" dist="38100" dir="2700000" algn="tl">
-                    <a:srgbClr val="000000">
-                      <a:alpha val="43137"/>
-                    </a:srgbClr>
-                  </a:outerShdw>
-                </a:effectLst>
-                <a:latin typeface="Microsoft JhengHei" panose="020B0604030504040204" pitchFamily="34" charset="-120"/>
-                <a:ea typeface="Microsoft JhengHei" panose="020B0604030504040204" pitchFamily="34" charset="-120"/>
-                <a:cs typeface="Times New Roman" pitchFamily="18" charset="0"/>
+              <a:rPr lang="zh-TW" altLang="en-US" sz="6400" b="1" dirty="0">
+                <a:solidFill>
+                  <a:srgbClr val="660033"/>
+                </a:solidFill>
+                <a:latin typeface="微軟正黑體" pitchFamily="34" charset="-120"/>
+                <a:ea typeface="微軟正黑體" pitchFamily="34" charset="-120"/>
               </a:rPr>
-              <a:t>雲上太陽  它總不改變</a:t>
-            </a:r>
-          </a:p>
-          <a:p>
-            <a:pPr marL="342000" indent="-342000" algn="ctr" eaLnBrk="0" fontAlgn="base" hangingPunct="0">
+              <a:t>無</a:t>
+            </a:r>
+            <a:r>
+              <a:rPr lang="zh-TW" altLang="en-US" sz="6400" b="1" dirty="0">
+                <a:solidFill>
+                  <a:srgbClr val="660033"/>
+                </a:solidFill>
+                <a:latin typeface="微軟正黑體" pitchFamily="34" charset="-120"/>
+                <a:ea typeface="微軟正黑體" pitchFamily="34" charset="-120"/>
+              </a:rPr>
+              <a:t>論是住在 </a:t>
+            </a:r>
+            <a:r>
+              <a:rPr lang="zh-TW" altLang="en-US" sz="6400" b="1" dirty="0">
+                <a:solidFill>
+                  <a:srgbClr val="660033"/>
+                </a:solidFill>
+                <a:latin typeface="微軟正黑體" pitchFamily="34" charset="-120"/>
+                <a:ea typeface="微軟正黑體" pitchFamily="34" charset="-120"/>
+              </a:rPr>
+              <a:t> 美</a:t>
+            </a:r>
+            <a:r>
+              <a:rPr lang="zh-TW" altLang="en-US" sz="6400" b="1" dirty="0">
+                <a:solidFill>
+                  <a:srgbClr val="660033"/>
+                </a:solidFill>
+                <a:latin typeface="微軟正黑體" pitchFamily="34" charset="-120"/>
+                <a:ea typeface="微軟正黑體" pitchFamily="34" charset="-120"/>
+              </a:rPr>
+              <a:t>麗的高山</a:t>
+            </a:r>
+            <a:endParaRPr lang="en-US" altLang="zh-TW" sz="6400" b="1" dirty="0">
+              <a:solidFill>
+                <a:srgbClr val="660033"/>
+              </a:solidFill>
+              <a:latin typeface="微軟正黑體" pitchFamily="34" charset="-120"/>
+              <a:ea typeface="微軟正黑體" pitchFamily="34" charset="-120"/>
+            </a:endParaRPr>
+          </a:p>
+          <a:p>
+            <a:pPr marL="455989" indent="-455989" algn="ctr" eaLnBrk="0" fontAlgn="base" hangingPunct="0">
               <a:spcBef>
-                <a:spcPts val="1152"/>
+                <a:spcPts val="1536"/>
               </a:spcBef>
               <a:spcAft>
                 <a:spcPct val="0"/>
@@ -3609,55 +3327,162 @@
               <a:buNone/>
             </a:pPr>
             <a:r>
-              <a:rPr kumimoji="1" lang="zh-TW" altLang="en-US" sz="5400" b="1" dirty="0">
-                <a:effectLst>
-                  <a:outerShdw blurRad="38100" dist="38100" dir="2700000" algn="tl">
-                    <a:srgbClr val="000000">
-                      <a:alpha val="43137"/>
-                    </a:srgbClr>
-                  </a:outerShdw>
-                </a:effectLst>
+              <a:rPr lang="zh-TW" altLang="en-US" sz="6400" b="1" dirty="0">
+                <a:solidFill>
+                  <a:srgbClr val="660033"/>
+                </a:solidFill>
+                <a:latin typeface="微軟正黑體" pitchFamily="34" charset="-120"/>
+                <a:ea typeface="微軟正黑體" pitchFamily="34" charset="-120"/>
+              </a:rPr>
+              <a:t>或是躺臥在 </a:t>
+            </a:r>
+            <a:r>
+              <a:rPr lang="zh-TW" altLang="en-US" sz="6400" b="1" dirty="0">
+                <a:solidFill>
+                  <a:srgbClr val="660033"/>
+                </a:solidFill>
+                <a:latin typeface="微軟正黑體" pitchFamily="34" charset="-120"/>
+                <a:ea typeface="微軟正黑體" pitchFamily="34" charset="-120"/>
+              </a:rPr>
+              <a:t> 陰</a:t>
+            </a:r>
+            <a:r>
+              <a:rPr lang="zh-TW" altLang="en-US" sz="6400" b="1" dirty="0">
+                <a:solidFill>
+                  <a:srgbClr val="660033"/>
+                </a:solidFill>
+                <a:latin typeface="微軟正黑體" pitchFamily="34" charset="-120"/>
+                <a:ea typeface="微軟正黑體" pitchFamily="34" charset="-120"/>
+              </a:rPr>
+              <a:t>暗的幽谷</a:t>
+            </a:r>
+            <a:endParaRPr lang="en-US" altLang="zh-TW" sz="6400" b="1" dirty="0">
+              <a:solidFill>
+                <a:srgbClr val="660033"/>
+              </a:solidFill>
+              <a:latin typeface="微軟正黑體" pitchFamily="34" charset="-120"/>
+              <a:ea typeface="微軟正黑體" pitchFamily="34" charset="-120"/>
+            </a:endParaRPr>
+          </a:p>
+        </p:txBody>
+      </p:sp>
+      <p:sp>
+        <p:nvSpPr>
+          <p:cNvPr id="3" name="TextBox 2"/>
+          <p:cNvSpPr txBox="1"/>
+          <p:nvPr/>
+        </p:nvSpPr>
+        <p:spPr>
+          <a:xfrm>
+            <a:off x="0" y="5157193"/>
+            <a:ext cx="12192000" cy="584775"/>
+          </a:xfrm>
+          <a:prstGeom prst="rect">
+            <a:avLst/>
+          </a:prstGeom>
+          <a:noFill/>
+        </p:spPr>
+        <p:txBody>
+          <a:bodyPr wrap="square" rtlCol="0">
+            <a:spAutoFit/>
+          </a:bodyPr>
+          <a:lstStyle/>
+          <a:p>
+            <a:pPr algn="ctr"/>
+            <a:r>
+              <a:rPr lang="en-US" sz="3200" b="1" dirty="0">
+                <a:solidFill>
+                  <a:srgbClr val="660033"/>
+                </a:solidFill>
                 <a:latin typeface="Microsoft JhengHei" panose="020B0604030504040204" pitchFamily="34" charset="-120"/>
                 <a:ea typeface="Microsoft JhengHei" panose="020B0604030504040204" pitchFamily="34" charset="-120"/>
-                <a:cs typeface="Times New Roman" pitchFamily="18" charset="0"/>
               </a:rPr>
-              <a:t>雖然小雨灑在</a:t>
-            </a:r>
-            <a:r>
-              <a:rPr kumimoji="1" lang="zh-CN" altLang="en-US" sz="5400" b="1" dirty="0">
-                <a:effectLst>
-                  <a:outerShdw blurRad="38100" dist="38100" dir="2700000" algn="tl">
-                    <a:srgbClr val="000000">
-                      <a:alpha val="43137"/>
-                    </a:srgbClr>
-                  </a:outerShdw>
-                </a:effectLst>
+              <a:t>( </a:t>
+            </a:r>
+            <a:r>
+              <a:rPr lang="zh-CN" altLang="en-US" sz="3200" b="1" dirty="0">
+                <a:solidFill>
+                  <a:srgbClr val="660033"/>
+                </a:solidFill>
                 <a:latin typeface="Microsoft JhengHei" panose="020B0604030504040204" pitchFamily="34" charset="-120"/>
                 <a:ea typeface="Microsoft JhengHei" panose="020B0604030504040204" pitchFamily="34" charset="-120"/>
-                <a:cs typeface="Times New Roman" pitchFamily="18" charset="0"/>
               </a:rPr>
-              <a:t>臉</a:t>
-            </a:r>
-            <a:r>
-              <a:rPr kumimoji="1" lang="zh-TW" altLang="en-US" sz="5400" b="1" dirty="0">
-                <a:effectLst>
-                  <a:outerShdw blurRad="38100" dist="38100" dir="2700000" algn="tl">
-                    <a:srgbClr val="000000">
-                      <a:alpha val="43137"/>
-                    </a:srgbClr>
-                  </a:outerShdw>
-                </a:effectLst>
+              <a:t>正</a:t>
+            </a:r>
+            <a:r>
+              <a:rPr lang="en-US" sz="3200" b="1" dirty="0">
+                <a:solidFill>
+                  <a:srgbClr val="660033"/>
+                </a:solidFill>
                 <a:latin typeface="Microsoft JhengHei" panose="020B0604030504040204" pitchFamily="34" charset="-120"/>
                 <a:ea typeface="Microsoft JhengHei" panose="020B0604030504040204" pitchFamily="34" charset="-120"/>
-                <a:cs typeface="Times New Roman" pitchFamily="18" charset="0"/>
               </a:rPr>
-              <a:t>上</a:t>
-            </a:r>
-          </a:p>
-          <a:p>
-            <a:pPr marL="342000" indent="-342000" algn="ctr" eaLnBrk="0" fontAlgn="base" hangingPunct="0">
+              <a:t> )</a:t>
+            </a:r>
+            <a:endParaRPr lang="vi-VN" sz="3200" b="1" dirty="0">
+              <a:solidFill>
+                <a:srgbClr val="660033"/>
+              </a:solidFill>
+              <a:ea typeface="Microsoft JhengHei" panose="020B0604030504040204" pitchFamily="34" charset="-120"/>
+            </a:endParaRPr>
+          </a:p>
+        </p:txBody>
+      </p:sp>
+    </p:spTree>
+    <p:extLst>
+      <p:ext uri="{BB962C8B-B14F-4D97-AF65-F5344CB8AC3E}">
+        <p14:creationId xmlns:p14="http://schemas.microsoft.com/office/powerpoint/2010/main" val="121944949"/>
+      </p:ext>
+    </p:extLst>
+  </p:cSld>
+  <p:clrMapOvr>
+    <a:masterClrMapping/>
+  </p:clrMapOvr>
+</p:sld>
+</file>
+
+<file path=ppt/slides/slide3.xml><?xml version="1.0" encoding="utf-8"?>
+<p:sld xmlns:a="http://schemas.openxmlformats.org/drawingml/2006/main" xmlns:r="http://schemas.openxmlformats.org/officeDocument/2006/relationships" xmlns:p="http://schemas.openxmlformats.org/presentationml/2006/main">
+  <p:cSld>
+    <p:spTree>
+      <p:nvGrpSpPr>
+        <p:cNvPr id="1" name=""/>
+        <p:cNvGrpSpPr/>
+        <p:nvPr/>
+      </p:nvGrpSpPr>
+      <p:grpSpPr>
+        <a:xfrm>
+          <a:off x="0" y="0"/>
+          <a:ext cx="0" cy="0"/>
+          <a:chOff x="0" y="0"/>
+          <a:chExt cx="0" cy="0"/>
+        </a:xfrm>
+      </p:grpSpPr>
+      <p:sp>
+        <p:nvSpPr>
+          <p:cNvPr id="5" name="內容版面配置區 4"/>
+          <p:cNvSpPr>
+            <a:spLocks noGrp="1"/>
+          </p:cNvSpPr>
+          <p:nvPr>
+            <p:ph idx="1"/>
+          </p:nvPr>
+        </p:nvSpPr>
+        <p:spPr>
+          <a:xfrm>
+            <a:off x="0" y="2084851"/>
+            <a:ext cx="12192000" cy="2404863"/>
+          </a:xfrm>
+        </p:spPr>
+        <p:txBody>
+          <a:bodyPr anchor="ctr">
+            <a:normAutofit/>
+          </a:bodyPr>
+          <a:lstStyle/>
+          <a:p>
+            <a:pPr marL="455989" indent="-455989" algn="ctr" eaLnBrk="0" fontAlgn="base" hangingPunct="0">
               <a:spcBef>
-                <a:spcPts val="1152"/>
+                <a:spcPts val="1536"/>
               </a:spcBef>
               <a:spcAft>
                 <a:spcPct val="0"/>
@@ -3665,25 +3490,27 @@
               <a:buNone/>
             </a:pPr>
             <a:r>
-              <a:rPr kumimoji="1" lang="zh-TW" altLang="en-US" sz="5400" b="1" dirty="0">
-                <a:effectLst>
-                  <a:outerShdw blurRad="38100" dist="38100" dir="2700000" algn="tl">
-                    <a:srgbClr val="000000">
-                      <a:alpha val="43137"/>
-                    </a:srgbClr>
-                  </a:outerShdw>
-                </a:effectLst>
-                <a:latin typeface="Microsoft JhengHei" panose="020B0604030504040204" pitchFamily="34" charset="-120"/>
-                <a:ea typeface="Microsoft JhengHei" panose="020B0604030504040204" pitchFamily="34" charset="-120"/>
-                <a:cs typeface="Times New Roman" pitchFamily="18" charset="0"/>
+              <a:rPr lang="zh-TW" altLang="en-US" sz="6400" b="1" dirty="0">
+                <a:solidFill>
+                  <a:srgbClr val="660033"/>
+                </a:solidFill>
+                <a:latin typeface="微軟正黑體" pitchFamily="34" charset="-120"/>
+                <a:ea typeface="微軟正黑體" pitchFamily="34" charset="-120"/>
               </a:rPr>
-              <a:t>雲上太陽  它總不改變</a:t>
-            </a:r>
-          </a:p>
-          <a:p>
-            <a:pPr marL="342000" indent="-342000" algn="ctr" eaLnBrk="0" fontAlgn="base" hangingPunct="0">
+              <a:t>當你抬起頭 你將會發現</a:t>
+            </a:r>
+            <a:endParaRPr lang="en-US" altLang="zh-TW" sz="6400" b="1" dirty="0">
+              <a:solidFill>
+                <a:srgbClr val="660033"/>
+              </a:solidFill>
+              <a:latin typeface="微軟正黑體" pitchFamily="34" charset="-120"/>
+              <a:ea typeface="微軟正黑體" pitchFamily="34" charset="-120"/>
+            </a:endParaRPr>
+          </a:p>
+          <a:p>
+            <a:pPr marL="455989" indent="-455989" algn="ctr" eaLnBrk="0" fontAlgn="base" hangingPunct="0">
               <a:spcBef>
-                <a:spcPts val="1152"/>
+                <a:spcPts val="1536"/>
               </a:spcBef>
               <a:spcAft>
                 <a:spcPct val="0"/>
@@ -3691,27 +3518,448 @@
               <a:buNone/>
             </a:pPr>
             <a:r>
-              <a:rPr kumimoji="1" lang="zh-TW" altLang="en-US" sz="5400" b="1" dirty="0">
-                <a:effectLst>
-                  <a:outerShdw blurRad="38100" dist="38100" dir="2700000" algn="tl">
-                    <a:srgbClr val="000000">
-                      <a:alpha val="43137"/>
-                    </a:srgbClr>
-                  </a:outerShdw>
-                </a:effectLst>
+              <a:rPr lang="zh-TW" altLang="en-US" sz="6400" b="1" dirty="0">
+                <a:solidFill>
+                  <a:srgbClr val="660033"/>
+                </a:solidFill>
+                <a:latin typeface="微軟正黑體" pitchFamily="34" charset="-120"/>
+                <a:ea typeface="微軟正黑體" pitchFamily="34" charset="-120"/>
+              </a:rPr>
+              <a:t>主已為你我而預備</a:t>
+            </a:r>
+          </a:p>
+        </p:txBody>
+      </p:sp>
+      <p:sp>
+        <p:nvSpPr>
+          <p:cNvPr id="3" name="TextBox 2"/>
+          <p:cNvSpPr txBox="1"/>
+          <p:nvPr/>
+        </p:nvSpPr>
+        <p:spPr>
+          <a:xfrm>
+            <a:off x="0" y="5157193"/>
+            <a:ext cx="12192000" cy="584775"/>
+          </a:xfrm>
+          <a:prstGeom prst="rect">
+            <a:avLst/>
+          </a:prstGeom>
+          <a:noFill/>
+        </p:spPr>
+        <p:txBody>
+          <a:bodyPr wrap="square" rtlCol="0">
+            <a:spAutoFit/>
+          </a:bodyPr>
+          <a:lstStyle/>
+          <a:p>
+            <a:pPr algn="ctr"/>
+            <a:r>
+              <a:rPr lang="en-US" sz="3200" b="1" dirty="0">
+                <a:solidFill>
+                  <a:srgbClr val="660033"/>
+                </a:solidFill>
                 <a:latin typeface="Microsoft JhengHei" panose="020B0604030504040204" pitchFamily="34" charset="-120"/>
                 <a:ea typeface="Microsoft JhengHei" panose="020B0604030504040204" pitchFamily="34" charset="-120"/>
-                <a:cs typeface="Times New Roman" pitchFamily="18" charset="0"/>
               </a:rPr>
-              <a:t>哈   它不改變</a:t>
-            </a:r>
+              <a:t>( </a:t>
+            </a:r>
+            <a:r>
+              <a:rPr lang="zh-CN" altLang="en-US" sz="3200" b="1" dirty="0">
+                <a:solidFill>
+                  <a:srgbClr val="660033"/>
+                </a:solidFill>
+                <a:latin typeface="Microsoft JhengHei" panose="020B0604030504040204" pitchFamily="34" charset="-120"/>
+                <a:ea typeface="Microsoft JhengHei" panose="020B0604030504040204" pitchFamily="34" charset="-120"/>
+              </a:rPr>
+              <a:t>正</a:t>
+            </a:r>
+            <a:r>
+              <a:rPr lang="en-US" sz="3200" b="1" dirty="0">
+                <a:solidFill>
+                  <a:srgbClr val="660033"/>
+                </a:solidFill>
+                <a:latin typeface="Microsoft JhengHei" panose="020B0604030504040204" pitchFamily="34" charset="-120"/>
+                <a:ea typeface="Microsoft JhengHei" panose="020B0604030504040204" pitchFamily="34" charset="-120"/>
+              </a:rPr>
+              <a:t> )</a:t>
+            </a:r>
+            <a:endParaRPr lang="vi-VN" sz="3200" b="1" dirty="0">
+              <a:solidFill>
+                <a:srgbClr val="660033"/>
+              </a:solidFill>
+              <a:ea typeface="Microsoft JhengHei" panose="020B0604030504040204" pitchFamily="34" charset="-120"/>
+            </a:endParaRPr>
           </a:p>
         </p:txBody>
       </p:sp>
     </p:spTree>
     <p:extLst>
       <p:ext uri="{BB962C8B-B14F-4D97-AF65-F5344CB8AC3E}">
-        <p14:creationId xmlns:p14="http://schemas.microsoft.com/office/powerpoint/2010/main" val="298835807"/>
+        <p14:creationId xmlns:p14="http://schemas.microsoft.com/office/powerpoint/2010/main" val="2967870079"/>
+      </p:ext>
+    </p:extLst>
+  </p:cSld>
+  <p:clrMapOvr>
+    <a:masterClrMapping/>
+  </p:clrMapOvr>
+</p:sld>
+</file>
+
+<file path=ppt/slides/slide4.xml><?xml version="1.0" encoding="utf-8"?>
+<p:sld xmlns:a="http://schemas.openxmlformats.org/drawingml/2006/main" xmlns:r="http://schemas.openxmlformats.org/officeDocument/2006/relationships" xmlns:p="http://schemas.openxmlformats.org/presentationml/2006/main">
+  <p:cSld>
+    <p:spTree>
+      <p:nvGrpSpPr>
+        <p:cNvPr id="1" name=""/>
+        <p:cNvGrpSpPr/>
+        <p:nvPr/>
+      </p:nvGrpSpPr>
+      <p:grpSpPr>
+        <a:xfrm>
+          <a:off x="0" y="0"/>
+          <a:ext cx="0" cy="0"/>
+          <a:chOff x="0" y="0"/>
+          <a:chExt cx="0" cy="0"/>
+        </a:xfrm>
+      </p:grpSpPr>
+      <p:sp>
+        <p:nvSpPr>
+          <p:cNvPr id="5" name="內容版面配置區 4"/>
+          <p:cNvSpPr>
+            <a:spLocks noGrp="1"/>
+          </p:cNvSpPr>
+          <p:nvPr>
+            <p:ph idx="1"/>
+          </p:nvPr>
+        </p:nvSpPr>
+        <p:spPr>
+          <a:xfrm>
+            <a:off x="0" y="2084851"/>
+            <a:ext cx="12192000" cy="2404863"/>
+          </a:xfrm>
+        </p:spPr>
+        <p:txBody>
+          <a:bodyPr anchor="ctr">
+            <a:normAutofit/>
+          </a:bodyPr>
+          <a:lstStyle/>
+          <a:p>
+            <a:pPr marL="455989" indent="-455989" algn="ctr" eaLnBrk="0" fontAlgn="base" hangingPunct="0">
+              <a:spcBef>
+                <a:spcPts val="1536"/>
+              </a:spcBef>
+              <a:spcAft>
+                <a:spcPct val="0"/>
+              </a:spcAft>
+              <a:buNone/>
+            </a:pPr>
+            <a:r>
+              <a:rPr lang="zh-TW" altLang="en-US" sz="6400" b="1" dirty="0">
+                <a:solidFill>
+                  <a:srgbClr val="660033"/>
+                </a:solidFill>
+                <a:latin typeface="微軟正黑體" pitchFamily="34" charset="-120"/>
+                <a:ea typeface="微軟正黑體" pitchFamily="34" charset="-120"/>
+              </a:rPr>
+              <a:t>雲上太陽  它總不改變</a:t>
+            </a:r>
+          </a:p>
+          <a:p>
+            <a:pPr marL="455989" indent="-455989" algn="ctr" eaLnBrk="0" fontAlgn="base" hangingPunct="0">
+              <a:spcBef>
+                <a:spcPts val="1536"/>
+              </a:spcBef>
+              <a:spcAft>
+                <a:spcPct val="0"/>
+              </a:spcAft>
+              <a:buNone/>
+            </a:pPr>
+            <a:r>
+              <a:rPr lang="zh-TW" altLang="en-US" sz="6400" b="1" dirty="0">
+                <a:solidFill>
+                  <a:srgbClr val="660033"/>
+                </a:solidFill>
+                <a:latin typeface="微軟正黑體" pitchFamily="34" charset="-120"/>
+                <a:ea typeface="微軟正黑體" pitchFamily="34" charset="-120"/>
+              </a:rPr>
+              <a:t>雖然小雨灑在</a:t>
+            </a:r>
+            <a:r>
+              <a:rPr lang="zh-CN" altLang="en-US" sz="6400" b="1" dirty="0">
+                <a:solidFill>
+                  <a:srgbClr val="660033"/>
+                </a:solidFill>
+                <a:latin typeface="微軟正黑體" pitchFamily="34" charset="-120"/>
+                <a:ea typeface="微軟正黑體" pitchFamily="34" charset="-120"/>
+              </a:rPr>
+              <a:t>臉</a:t>
+            </a:r>
+            <a:r>
+              <a:rPr lang="zh-TW" altLang="en-US" sz="6400" b="1" dirty="0">
+                <a:solidFill>
+                  <a:srgbClr val="660033"/>
+                </a:solidFill>
+                <a:latin typeface="微軟正黑體" pitchFamily="34" charset="-120"/>
+                <a:ea typeface="微軟正黑體" pitchFamily="34" charset="-120"/>
+              </a:rPr>
+              <a:t>上</a:t>
+            </a:r>
+          </a:p>
+        </p:txBody>
+      </p:sp>
+      <p:sp>
+        <p:nvSpPr>
+          <p:cNvPr id="3" name="TextBox 2"/>
+          <p:cNvSpPr txBox="1"/>
+          <p:nvPr/>
+        </p:nvSpPr>
+        <p:spPr>
+          <a:xfrm>
+            <a:off x="0" y="5157193"/>
+            <a:ext cx="12192000" cy="584775"/>
+          </a:xfrm>
+          <a:prstGeom prst="rect">
+            <a:avLst/>
+          </a:prstGeom>
+          <a:noFill/>
+        </p:spPr>
+        <p:txBody>
+          <a:bodyPr wrap="square" rtlCol="0">
+            <a:spAutoFit/>
+          </a:bodyPr>
+          <a:lstStyle/>
+          <a:p>
+            <a:pPr algn="ctr"/>
+            <a:r>
+              <a:rPr lang="en-US" sz="3200" b="1" dirty="0">
+                <a:solidFill>
+                  <a:srgbClr val="660033"/>
+                </a:solidFill>
+                <a:latin typeface="Microsoft JhengHei" panose="020B0604030504040204" pitchFamily="34" charset="-120"/>
+                <a:ea typeface="Microsoft JhengHei" panose="020B0604030504040204" pitchFamily="34" charset="-120"/>
+              </a:rPr>
+              <a:t>( </a:t>
+            </a:r>
+            <a:r>
+              <a:rPr lang="zh-CN" altLang="en-US" sz="3200" b="1" dirty="0">
+                <a:solidFill>
+                  <a:srgbClr val="660033"/>
+                </a:solidFill>
+                <a:latin typeface="Microsoft JhengHei" panose="020B0604030504040204" pitchFamily="34" charset="-120"/>
+                <a:ea typeface="Microsoft JhengHei" panose="020B0604030504040204" pitchFamily="34" charset="-120"/>
+              </a:rPr>
+              <a:t>副</a:t>
+            </a:r>
+            <a:r>
+              <a:rPr lang="en-US" sz="3200" b="1" dirty="0">
+                <a:solidFill>
+                  <a:srgbClr val="660033"/>
+                </a:solidFill>
+                <a:latin typeface="Microsoft JhengHei" panose="020B0604030504040204" pitchFamily="34" charset="-120"/>
+                <a:ea typeface="Microsoft JhengHei" panose="020B0604030504040204" pitchFamily="34" charset="-120"/>
+              </a:rPr>
+              <a:t> )</a:t>
+            </a:r>
+            <a:endParaRPr lang="vi-VN" sz="3200" b="1" dirty="0">
+              <a:solidFill>
+                <a:srgbClr val="660033"/>
+              </a:solidFill>
+              <a:ea typeface="Microsoft JhengHei" panose="020B0604030504040204" pitchFamily="34" charset="-120"/>
+            </a:endParaRPr>
+          </a:p>
+        </p:txBody>
+      </p:sp>
+    </p:spTree>
+    <p:extLst>
+      <p:ext uri="{BB962C8B-B14F-4D97-AF65-F5344CB8AC3E}">
+        <p14:creationId xmlns:p14="http://schemas.microsoft.com/office/powerpoint/2010/main" val="4004565600"/>
+      </p:ext>
+    </p:extLst>
+  </p:cSld>
+  <p:clrMapOvr>
+    <a:masterClrMapping/>
+  </p:clrMapOvr>
+</p:sld>
+</file>
+
+<file path=ppt/slides/slide5.xml><?xml version="1.0" encoding="utf-8"?>
+<p:sld xmlns:a="http://schemas.openxmlformats.org/drawingml/2006/main" xmlns:r="http://schemas.openxmlformats.org/officeDocument/2006/relationships" xmlns:p="http://schemas.openxmlformats.org/presentationml/2006/main">
+  <p:cSld>
+    <p:spTree>
+      <p:nvGrpSpPr>
+        <p:cNvPr id="1" name=""/>
+        <p:cNvGrpSpPr/>
+        <p:nvPr/>
+      </p:nvGrpSpPr>
+      <p:grpSpPr>
+        <a:xfrm>
+          <a:off x="0" y="0"/>
+          <a:ext cx="0" cy="0"/>
+          <a:chOff x="0" y="0"/>
+          <a:chExt cx="0" cy="0"/>
+        </a:xfrm>
+      </p:grpSpPr>
+      <p:sp>
+        <p:nvSpPr>
+          <p:cNvPr id="5" name="內容版面配置區 4"/>
+          <p:cNvSpPr>
+            <a:spLocks noGrp="1"/>
+          </p:cNvSpPr>
+          <p:nvPr>
+            <p:ph idx="1"/>
+          </p:nvPr>
+        </p:nvSpPr>
+        <p:spPr>
+          <a:xfrm>
+            <a:off x="0" y="2084851"/>
+            <a:ext cx="12192000" cy="2404863"/>
+          </a:xfrm>
+        </p:spPr>
+        <p:txBody>
+          <a:bodyPr anchor="ctr">
+            <a:normAutofit/>
+          </a:bodyPr>
+          <a:lstStyle/>
+          <a:p>
+            <a:pPr marL="455989" indent="-455989" algn="ctr" eaLnBrk="0" fontAlgn="base" hangingPunct="0">
+              <a:spcBef>
+                <a:spcPts val="1536"/>
+              </a:spcBef>
+              <a:spcAft>
+                <a:spcPct val="0"/>
+              </a:spcAft>
+              <a:buNone/>
+            </a:pPr>
+            <a:r>
+              <a:rPr lang="zh-TW" altLang="en-US" sz="6400" b="1" dirty="0">
+                <a:solidFill>
+                  <a:srgbClr val="660033"/>
+                </a:solidFill>
+                <a:latin typeface="微軟正黑體" pitchFamily="34" charset="-120"/>
+                <a:ea typeface="微軟正黑體" pitchFamily="34" charset="-120"/>
+              </a:rPr>
+              <a:t>雲上太陽  它總不改變</a:t>
+            </a:r>
+          </a:p>
+          <a:p>
+            <a:pPr marL="455989" indent="-455989" algn="ctr" eaLnBrk="0" fontAlgn="base" hangingPunct="0">
+              <a:spcBef>
+                <a:spcPts val="1536"/>
+              </a:spcBef>
+              <a:spcAft>
+                <a:spcPct val="0"/>
+              </a:spcAft>
+              <a:buNone/>
+            </a:pPr>
+            <a:r>
+              <a:rPr lang="zh-TW" altLang="en-US" sz="6400" b="1" dirty="0">
+                <a:solidFill>
+                  <a:srgbClr val="660033"/>
+                </a:solidFill>
+                <a:latin typeface="微軟正黑體" pitchFamily="34" charset="-120"/>
+                <a:ea typeface="微軟正黑體" pitchFamily="34" charset="-120"/>
+              </a:rPr>
+              <a:t>哈</a:t>
+            </a:r>
+            <a:r>
+              <a:rPr lang="en-US" altLang="zh-TW" sz="6400" b="1" dirty="0">
+                <a:solidFill>
+                  <a:srgbClr val="660033"/>
+                </a:solidFill>
+                <a:latin typeface="微軟正黑體" pitchFamily="34" charset="-120"/>
+                <a:ea typeface="微軟正黑體" pitchFamily="34" charset="-120"/>
+              </a:rPr>
+              <a:t>~</a:t>
+            </a:r>
+            <a:r>
+              <a:rPr lang="zh-TW" altLang="en-US" sz="6400" b="1" dirty="0">
+                <a:solidFill>
+                  <a:srgbClr val="660033"/>
+                </a:solidFill>
+                <a:latin typeface="微軟正黑體" pitchFamily="34" charset="-120"/>
+                <a:ea typeface="微軟正黑體" pitchFamily="34" charset="-120"/>
+              </a:rPr>
+              <a:t>   </a:t>
+            </a:r>
+            <a:r>
+              <a:rPr lang="zh-TW" altLang="en-US" sz="6400" b="1" dirty="0">
+                <a:solidFill>
+                  <a:srgbClr val="660033"/>
+                </a:solidFill>
+                <a:latin typeface="微軟正黑體" pitchFamily="34" charset="-120"/>
+                <a:ea typeface="微軟正黑體" pitchFamily="34" charset="-120"/>
+              </a:rPr>
+              <a:t>它不改變</a:t>
+            </a:r>
+          </a:p>
+        </p:txBody>
+      </p:sp>
+      <p:sp>
+        <p:nvSpPr>
+          <p:cNvPr id="3" name="TextBox 2"/>
+          <p:cNvSpPr txBox="1"/>
+          <p:nvPr/>
+        </p:nvSpPr>
+        <p:spPr>
+          <a:xfrm>
+            <a:off x="0" y="5157193"/>
+            <a:ext cx="12192000" cy="584775"/>
+          </a:xfrm>
+          <a:prstGeom prst="rect">
+            <a:avLst/>
+          </a:prstGeom>
+          <a:noFill/>
+        </p:spPr>
+        <p:txBody>
+          <a:bodyPr wrap="square" rtlCol="0">
+            <a:spAutoFit/>
+          </a:bodyPr>
+          <a:lstStyle/>
+          <a:p>
+            <a:pPr algn="ctr"/>
+            <a:r>
+              <a:rPr lang="en-US" sz="3200" b="1" dirty="0">
+                <a:solidFill>
+                  <a:srgbClr val="660033"/>
+                </a:solidFill>
+                <a:latin typeface="Microsoft JhengHei" panose="020B0604030504040204" pitchFamily="34" charset="-120"/>
+                <a:ea typeface="Microsoft JhengHei" panose="020B0604030504040204" pitchFamily="34" charset="-120"/>
+              </a:rPr>
+              <a:t>( </a:t>
+            </a:r>
+            <a:r>
+              <a:rPr lang="zh-CN" altLang="en-US" sz="3200" b="1" dirty="0">
+                <a:solidFill>
+                  <a:srgbClr val="660033"/>
+                </a:solidFill>
+                <a:latin typeface="Microsoft JhengHei" panose="020B0604030504040204" pitchFamily="34" charset="-120"/>
+                <a:ea typeface="Microsoft JhengHei" panose="020B0604030504040204" pitchFamily="34" charset="-120"/>
+              </a:rPr>
+              <a:t>副</a:t>
+            </a:r>
+            <a:r>
+              <a:rPr lang="en-US" sz="3200" b="1" dirty="0">
+                <a:solidFill>
+                  <a:srgbClr val="660033"/>
+                </a:solidFill>
+                <a:latin typeface="Microsoft JhengHei" panose="020B0604030504040204" pitchFamily="34" charset="-120"/>
+                <a:ea typeface="Microsoft JhengHei" panose="020B0604030504040204" pitchFamily="34" charset="-120"/>
+              </a:rPr>
+              <a:t> )</a:t>
+            </a:r>
+            <a:endParaRPr lang="vi-VN" sz="3200" b="1" dirty="0">
+              <a:solidFill>
+                <a:srgbClr val="660033"/>
+              </a:solidFill>
+              <a:ea typeface="Microsoft JhengHei" panose="020B0604030504040204" pitchFamily="34" charset="-120"/>
+            </a:endParaRPr>
+          </a:p>
+        </p:txBody>
+      </p:sp>
+    </p:spTree>
+    <p:extLst>
+      <p:ext uri="{BB962C8B-B14F-4D97-AF65-F5344CB8AC3E}">
+        <p14:creationId xmlns:p14="http://schemas.microsoft.com/office/powerpoint/2010/main" val="3709008010"/>
       </p:ext>
     </p:extLst>
   </p:cSld>
